--- a/Assets/Designs/DesignPlan.pptx
+++ b/Assets/Designs/DesignPlan.pptx
@@ -11,10 +11,11 @@
     <p:handoutMasterId r:id="rId5"/>
   </p:handoutMasterIdLst>
   <p:sldIdLst>
-    <p:sldId id="256" r:id="rId3"/>
+    <p:sldId id="256" r:id="rId2"/>
+    <p:sldId id="257" r:id="rId3"/>
   </p:sldIdLst>
   <p:sldSz cx="12192000" cy="6858000"/>
-  <p:notesSz cx="7103745" cy="10234295"/>
+  <p:notesSz cx="7104063" cy="10234613"/>
   <p:defaultTextStyle>
     <a:defPPr>
       <a:defRPr lang="zh-CN"/>
@@ -110,6 +111,22 @@
       </a:defRPr>
     </a:lvl9pPr>
   </p:defaultTextStyle>
+  <p:extLst>
+    <p:ext uri="{EFAFB233-063F-42B5-8137-9DF3F51BA10A}">
+      <p15:sldGuideLst xmlns:p15="http://schemas.microsoft.com/office/powerpoint/2012/main">
+        <p15:guide id="1" orient="horz" pos="2160">
+          <p15:clr>
+            <a:srgbClr val="A4A3A4"/>
+          </p15:clr>
+        </p15:guide>
+        <p15:guide id="2" pos="3840">
+          <p15:clr>
+            <a:srgbClr val="A4A3A4"/>
+          </p15:clr>
+        </p15:guide>
+      </p15:sldGuideLst>
+    </p:ext>
+  </p:extLst>
 </p:presentation>
 </file>
 
@@ -195,6 +212,7 @@
           <a:p>
             <a:fld id="{0F9B84EA-7D68-4D60-9CB1-D50884785D1C}" type="datetimeFigureOut">
               <a:rPr lang="zh-CN" altLang="en-US" smtClean="0"/>
+              <a:t>2024/9/23</a:t>
             </a:fld>
             <a:endParaRPr lang="zh-CN" altLang="en-US"/>
           </a:p>
@@ -260,12 +278,18 @@
           <a:p>
             <a:fld id="{8D4E0FC9-F1F8-4FAE-9988-3BA365CFD46F}" type="slidenum">
               <a:rPr lang="zh-CN" altLang="en-US" smtClean="0"/>
+              <a:t>‹#›</a:t>
             </a:fld>
             <a:endParaRPr lang="zh-CN" altLang="en-US"/>
           </a:p>
         </p:txBody>
       </p:sp>
     </p:spTree>
+    <p:extLst>
+      <p:ext uri="{BB962C8B-B14F-4D97-AF65-F5344CB8AC3E}">
+        <p14:creationId xmlns:p14="http://schemas.microsoft.com/office/powerpoint/2010/main" val="1"/>
+      </p:ext>
+    </p:extLst>
   </p:cSld>
   <p:clrMap bg1="lt1" tx1="dk1" bg2="lt2" tx2="dk2" accent1="accent1" accent2="accent2" accent3="accent3" accent4="accent4" accent5="accent5" accent6="accent6" hlink="hlink" folHlink="folHlink"/>
 </p:handoutMaster>
@@ -353,6 +377,7 @@
           <a:p>
             <a:fld id="{D6C8D182-E4C8-4120-9249-FC9774456FFA}" type="datetimeFigureOut">
               <a:rPr lang="zh-CN" altLang="en-US" smtClean="0"/>
+              <a:t>2024/9/23</a:t>
             </a:fld>
             <a:endParaRPr lang="zh-CN" altLang="en-US"/>
           </a:p>
@@ -419,7 +444,6 @@
               <a:rPr lang="zh-CN" altLang="en-US"/>
               <a:t>编辑母版文本样式</a:t>
             </a:r>
-            <a:endParaRPr lang="zh-CN" altLang="en-US"/>
           </a:p>
           <a:p>
             <a:pPr lvl="1"/>
@@ -427,7 +451,6 @@
               <a:rPr lang="zh-CN" altLang="en-US"/>
               <a:t>第二级</a:t>
             </a:r>
-            <a:endParaRPr lang="zh-CN" altLang="en-US"/>
           </a:p>
           <a:p>
             <a:pPr lvl="2"/>
@@ -435,7 +458,6 @@
               <a:rPr lang="zh-CN" altLang="en-US"/>
               <a:t>第三级</a:t>
             </a:r>
-            <a:endParaRPr lang="zh-CN" altLang="en-US"/>
           </a:p>
           <a:p>
             <a:pPr lvl="3"/>
@@ -443,7 +465,6 @@
               <a:rPr lang="zh-CN" altLang="en-US"/>
               <a:t>第四级</a:t>
             </a:r>
-            <a:endParaRPr lang="zh-CN" altLang="en-US"/>
           </a:p>
           <a:p>
             <a:pPr lvl="4"/>
@@ -451,7 +472,6 @@
               <a:rPr lang="zh-CN" altLang="en-US"/>
               <a:t>第五级</a:t>
             </a:r>
-            <a:endParaRPr lang="zh-CN" altLang="en-US"/>
           </a:p>
         </p:txBody>
       </p:sp>
@@ -515,6 +535,7 @@
           <a:p>
             <a:fld id="{85D0DACE-38E0-42D2-9336-2B707D34BC6D}" type="slidenum">
               <a:rPr lang="zh-CN" altLang="en-US" smtClean="0"/>
+              <a:t>‹#›</a:t>
             </a:fld>
             <a:endParaRPr lang="zh-CN" altLang="en-US"/>
           </a:p>
@@ -678,9 +699,6 @@
               </a:rPr>
               <a:t>Click to edit Master title style</a:t>
             </a:r>
-            <a:endParaRPr lang="zh-CN" altLang="en-US" dirty="0">
-              <a:sym typeface="+mn-ea"/>
-            </a:endParaRPr>
           </a:p>
         </p:txBody>
       </p:sp>
@@ -701,6 +719,7 @@
           <a:p>
             <a:fld id="{760FBDFE-C587-4B4C-A407-44438C67B59E}" type="datetimeFigureOut">
               <a:rPr lang="zh-CN" altLang="en-US" smtClean="0"/>
+              <a:t>2024/9/23</a:t>
             </a:fld>
             <a:endParaRPr lang="zh-CN" altLang="en-US"/>
           </a:p>
@@ -742,6 +761,7 @@
           <a:p>
             <a:fld id="{49AE70B2-8BF9-45C0-BB95-33D1B9D3A854}" type="slidenum">
               <a:rPr lang="zh-CN" altLang="en-US" smtClean="0"/>
+              <a:t>‹#›</a:t>
             </a:fld>
             <a:endParaRPr lang="zh-CN" altLang="en-US"/>
           </a:p>
@@ -820,7 +840,6 @@
               <a:rPr lang="zh-CN" altLang="en-US" dirty="0"/>
               <a:t>Click to edit Master subtitle style</a:t>
             </a:r>
-            <a:endParaRPr lang="zh-CN" altLang="en-US" dirty="0"/>
           </a:p>
         </p:txBody>
       </p:sp>
@@ -866,6 +885,7 @@
           <a:p>
             <a:fld id="{760FBDFE-C587-4B4C-A407-44438C67B59E}" type="datetimeFigureOut">
               <a:rPr lang="zh-CN" altLang="en-US" smtClean="0"/>
+              <a:t>2024/9/23</a:t>
             </a:fld>
             <a:endParaRPr lang="zh-CN" altLang="en-US"/>
           </a:p>
@@ -907,6 +927,7 @@
           <a:p>
             <a:fld id="{49AE70B2-8BF9-45C0-BB95-33D1B9D3A854}" type="slidenum">
               <a:rPr lang="zh-CN" altLang="en-US" smtClean="0"/>
+              <a:t>‹#›</a:t>
             </a:fld>
             <a:endParaRPr lang="zh-CN" altLang="en-US"/>
           </a:p>
@@ -939,9 +960,6 @@
               </a:rPr>
               <a:t>Click to edit Master text styles</a:t>
             </a:r>
-            <a:endParaRPr lang="zh-CN" altLang="en-US" dirty="0">
-              <a:sym typeface="+mn-ea"/>
-            </a:endParaRPr>
           </a:p>
           <a:p>
             <a:pPr lvl="1"/>
@@ -949,7 +967,6 @@
               <a:rPr lang="zh-CN" altLang="en-US" dirty="0"/>
               <a:t>Second level</a:t>
             </a:r>
-            <a:endParaRPr lang="zh-CN" altLang="en-US" dirty="0"/>
           </a:p>
           <a:p>
             <a:pPr lvl="2"/>
@@ -957,7 +974,6 @@
               <a:rPr lang="zh-CN" altLang="en-US" dirty="0"/>
               <a:t>Third level</a:t>
             </a:r>
-            <a:endParaRPr lang="zh-CN" altLang="en-US" dirty="0"/>
           </a:p>
           <a:p>
             <a:pPr lvl="3"/>
@@ -965,7 +981,6 @@
               <a:rPr lang="zh-CN" altLang="en-US" dirty="0"/>
               <a:t>Fourth level</a:t>
             </a:r>
-            <a:endParaRPr lang="zh-CN" altLang="en-US" dirty="0"/>
           </a:p>
           <a:p>
             <a:pPr lvl="4"/>
@@ -973,7 +988,6 @@
               <a:rPr lang="zh-CN" altLang="en-US" dirty="0"/>
               <a:t>Fifth level</a:t>
             </a:r>
-            <a:endParaRPr lang="zh-CN" altLang="en-US" dirty="0"/>
           </a:p>
         </p:txBody>
       </p:sp>
@@ -1040,7 +1054,6 @@
               <a:rPr lang="zh-CN" altLang="en-US" dirty="0"/>
               <a:t>Click to edit Master title style</a:t>
             </a:r>
-            <a:endParaRPr lang="zh-CN" altLang="en-US" dirty="0"/>
           </a:p>
         </p:txBody>
       </p:sp>
@@ -1124,9 +1137,6 @@
               </a:rPr>
               <a:t>Click to edit Master text styles</a:t>
             </a:r>
-            <a:endParaRPr lang="zh-CN" altLang="en-US" dirty="0">
-              <a:sym typeface="+mn-ea"/>
-            </a:endParaRPr>
           </a:p>
           <a:p>
             <a:pPr lvl="1"/>
@@ -1134,7 +1144,6 @@
               <a:rPr lang="zh-CN" altLang="en-US" dirty="0"/>
               <a:t>Second level</a:t>
             </a:r>
-            <a:endParaRPr lang="zh-CN" altLang="en-US" dirty="0"/>
           </a:p>
           <a:p>
             <a:pPr lvl="2"/>
@@ -1142,7 +1151,6 @@
               <a:rPr lang="zh-CN" altLang="en-US" dirty="0"/>
               <a:t>Third level</a:t>
             </a:r>
-            <a:endParaRPr lang="zh-CN" altLang="en-US" dirty="0"/>
           </a:p>
           <a:p>
             <a:pPr lvl="3"/>
@@ -1150,7 +1158,6 @@
               <a:rPr lang="zh-CN" altLang="en-US" dirty="0"/>
               <a:t>Fourth level</a:t>
             </a:r>
-            <a:endParaRPr lang="zh-CN" altLang="en-US" dirty="0"/>
           </a:p>
           <a:p>
             <a:pPr lvl="4"/>
@@ -1158,7 +1165,6 @@
               <a:rPr lang="zh-CN" altLang="en-US" dirty="0"/>
               <a:t>Fifth level</a:t>
             </a:r>
-            <a:endParaRPr lang="zh-CN" altLang="en-US" dirty="0"/>
           </a:p>
         </p:txBody>
       </p:sp>
@@ -1179,6 +1185,7 @@
           <a:p>
             <a:fld id="{760FBDFE-C587-4B4C-A407-44438C67B59E}" type="datetimeFigureOut">
               <a:rPr lang="zh-CN" altLang="en-US" smtClean="0"/>
+              <a:t>2024/9/23</a:t>
             </a:fld>
             <a:endParaRPr lang="zh-CN" altLang="en-US"/>
           </a:p>
@@ -1220,6 +1227,7 @@
           <a:p>
             <a:fld id="{49AE70B2-8BF9-45C0-BB95-33D1B9D3A854}" type="slidenum">
               <a:rPr lang="zh-CN" altLang="en-US" smtClean="0"/>
+              <a:t>‹#›</a:t>
             </a:fld>
             <a:endParaRPr lang="zh-CN" altLang="en-US"/>
           </a:p>
@@ -1288,7 +1296,6 @@
               <a:rPr lang="zh-CN" altLang="en-US" dirty="0"/>
               <a:t>Click to edit Master title style</a:t>
             </a:r>
-            <a:endParaRPr lang="zh-CN" altLang="en-US" dirty="0"/>
           </a:p>
         </p:txBody>
       </p:sp>
@@ -1410,9 +1417,6 @@
               </a:rPr>
               <a:t>Click to edit Master text styles</a:t>
             </a:r>
-            <a:endParaRPr lang="zh-CN" altLang="en-US" dirty="0">
-              <a:sym typeface="+mn-ea"/>
-            </a:endParaRPr>
           </a:p>
         </p:txBody>
       </p:sp>
@@ -1433,6 +1437,7 @@
           <a:p>
             <a:fld id="{760FBDFE-C587-4B4C-A407-44438C67B59E}" type="datetimeFigureOut">
               <a:rPr lang="zh-CN" altLang="en-US" smtClean="0"/>
+              <a:t>2024/9/23</a:t>
             </a:fld>
             <a:endParaRPr lang="zh-CN" altLang="en-US"/>
           </a:p>
@@ -1474,6 +1479,7 @@
           <a:p>
             <a:fld id="{49AE70B2-8BF9-45C0-BB95-33D1B9D3A854}" type="slidenum">
               <a:rPr lang="zh-CN" altLang="en-US" smtClean="0"/>
+              <a:t>‹#›</a:t>
             </a:fld>
             <a:endParaRPr lang="zh-CN" altLang="en-US"/>
           </a:p>
@@ -1542,7 +1548,6 @@
               <a:rPr lang="zh-CN" altLang="en-US" dirty="0"/>
               <a:t>Click to edit Master title style</a:t>
             </a:r>
-            <a:endParaRPr lang="zh-CN" altLang="en-US" dirty="0"/>
           </a:p>
         </p:txBody>
       </p:sp>
@@ -1641,9 +1646,6 @@
               </a:rPr>
               <a:t>Click to edit Master text styles</a:t>
             </a:r>
-            <a:endParaRPr lang="zh-CN" altLang="en-US" dirty="0">
-              <a:sym typeface="+mn-ea"/>
-            </a:endParaRPr>
           </a:p>
           <a:p>
             <a:pPr lvl="1"/>
@@ -1651,7 +1653,6 @@
               <a:rPr lang="zh-CN" altLang="en-US" dirty="0"/>
               <a:t>Second level</a:t>
             </a:r>
-            <a:endParaRPr lang="zh-CN" altLang="en-US" dirty="0"/>
           </a:p>
           <a:p>
             <a:pPr lvl="2"/>
@@ -1659,7 +1660,6 @@
               <a:rPr lang="zh-CN" altLang="en-US" dirty="0"/>
               <a:t>Third level</a:t>
             </a:r>
-            <a:endParaRPr lang="zh-CN" altLang="en-US" dirty="0"/>
           </a:p>
           <a:p>
             <a:pPr lvl="3"/>
@@ -1667,7 +1667,6 @@
               <a:rPr lang="zh-CN" altLang="en-US" dirty="0"/>
               <a:t>Fourth level</a:t>
             </a:r>
-            <a:endParaRPr lang="zh-CN" altLang="en-US" dirty="0"/>
           </a:p>
           <a:p>
             <a:pPr lvl="4"/>
@@ -1675,7 +1674,6 @@
               <a:rPr lang="zh-CN" altLang="en-US" dirty="0"/>
               <a:t>Fifth level</a:t>
             </a:r>
-            <a:endParaRPr lang="zh-CN" altLang="en-US" dirty="0"/>
           </a:p>
         </p:txBody>
       </p:sp>
@@ -1774,9 +1772,6 @@
               </a:rPr>
               <a:t>Click to edit Master text styles</a:t>
             </a:r>
-            <a:endParaRPr lang="zh-CN" altLang="en-US" dirty="0">
-              <a:sym typeface="+mn-ea"/>
-            </a:endParaRPr>
           </a:p>
           <a:p>
             <a:pPr lvl="1"/>
@@ -1784,7 +1779,6 @@
               <a:rPr lang="zh-CN" altLang="en-US" dirty="0"/>
               <a:t>Second level</a:t>
             </a:r>
-            <a:endParaRPr lang="zh-CN" altLang="en-US" dirty="0"/>
           </a:p>
           <a:p>
             <a:pPr lvl="2"/>
@@ -1792,7 +1786,6 @@
               <a:rPr lang="zh-CN" altLang="en-US" dirty="0"/>
               <a:t>Third level</a:t>
             </a:r>
-            <a:endParaRPr lang="zh-CN" altLang="en-US" dirty="0"/>
           </a:p>
           <a:p>
             <a:pPr lvl="3"/>
@@ -1800,7 +1793,6 @@
               <a:rPr lang="zh-CN" altLang="en-US" dirty="0"/>
               <a:t>Fourth level</a:t>
             </a:r>
-            <a:endParaRPr lang="zh-CN" altLang="en-US" dirty="0"/>
           </a:p>
           <a:p>
             <a:pPr lvl="4"/>
@@ -1808,7 +1800,6 @@
               <a:rPr lang="zh-CN" altLang="en-US" dirty="0"/>
               <a:t>Fifth level</a:t>
             </a:r>
-            <a:endParaRPr lang="zh-CN" altLang="en-US" dirty="0"/>
           </a:p>
         </p:txBody>
       </p:sp>
@@ -1829,6 +1820,7 @@
           <a:p>
             <a:fld id="{760FBDFE-C587-4B4C-A407-44438C67B59E}" type="datetimeFigureOut">
               <a:rPr lang="zh-CN" altLang="en-US" smtClean="0"/>
+              <a:t>2024/9/23</a:t>
             </a:fld>
             <a:endParaRPr lang="zh-CN" altLang="en-US"/>
           </a:p>
@@ -1870,6 +1862,7 @@
           <a:p>
             <a:fld id="{49AE70B2-8BF9-45C0-BB95-33D1B9D3A854}" type="slidenum">
               <a:rPr lang="zh-CN" altLang="en-US" smtClean="0"/>
+              <a:t>‹#›</a:t>
             </a:fld>
             <a:endParaRPr lang="zh-CN" altLang="en-US"/>
           </a:p>
@@ -1924,7 +1917,6 @@
               <a:rPr lang="zh-CN" altLang="en-US"/>
               <a:t>Click to edit Master title style</a:t>
             </a:r>
-            <a:endParaRPr lang="zh-CN" altLang="en-US"/>
           </a:p>
         </p:txBody>
       </p:sp>
@@ -1992,9 +1984,6 @@
               </a:rPr>
               <a:t>Click to edit Master text styles</a:t>
             </a:r>
-            <a:endParaRPr lang="zh-CN" altLang="en-US" dirty="0">
-              <a:sym typeface="+mn-ea"/>
-            </a:endParaRPr>
           </a:p>
         </p:txBody>
       </p:sp>
@@ -2025,9 +2014,6 @@
               </a:rPr>
               <a:t>Click to edit Master text styles</a:t>
             </a:r>
-            <a:endParaRPr lang="zh-CN" altLang="en-US" dirty="0">
-              <a:sym typeface="+mn-ea"/>
-            </a:endParaRPr>
           </a:p>
           <a:p>
             <a:pPr lvl="1"/>
@@ -2035,7 +2021,6 @@
               <a:rPr lang="zh-CN" altLang="en-US" dirty="0"/>
               <a:t>Second level</a:t>
             </a:r>
-            <a:endParaRPr lang="zh-CN" altLang="en-US" dirty="0"/>
           </a:p>
           <a:p>
             <a:pPr lvl="2"/>
@@ -2043,7 +2028,6 @@
               <a:rPr lang="zh-CN" altLang="en-US" dirty="0"/>
               <a:t>Third level</a:t>
             </a:r>
-            <a:endParaRPr lang="zh-CN" altLang="en-US" dirty="0"/>
           </a:p>
           <a:p>
             <a:pPr lvl="3"/>
@@ -2051,7 +2035,6 @@
               <a:rPr lang="zh-CN" altLang="en-US" dirty="0"/>
               <a:t>Fourth level</a:t>
             </a:r>
-            <a:endParaRPr lang="zh-CN" altLang="en-US" dirty="0"/>
           </a:p>
           <a:p>
             <a:pPr lvl="4"/>
@@ -2059,7 +2042,6 @@
               <a:rPr lang="zh-CN" altLang="en-US" dirty="0"/>
               <a:t>Fifth level</a:t>
             </a:r>
-            <a:endParaRPr lang="zh-CN" altLang="en-US" dirty="0"/>
           </a:p>
         </p:txBody>
       </p:sp>
@@ -2127,9 +2109,6 @@
               </a:rPr>
               <a:t>Click to edit Master text styles</a:t>
             </a:r>
-            <a:endParaRPr lang="zh-CN" altLang="en-US" dirty="0">
-              <a:sym typeface="+mn-ea"/>
-            </a:endParaRPr>
           </a:p>
         </p:txBody>
       </p:sp>
@@ -2160,9 +2139,6 @@
               </a:rPr>
               <a:t>Click to edit Master text styles</a:t>
             </a:r>
-            <a:endParaRPr lang="zh-CN" altLang="en-US" dirty="0">
-              <a:sym typeface="+mn-ea"/>
-            </a:endParaRPr>
           </a:p>
           <a:p>
             <a:pPr lvl="1"/>
@@ -2170,7 +2146,6 @@
               <a:rPr lang="zh-CN" altLang="en-US" dirty="0"/>
               <a:t>Second level</a:t>
             </a:r>
-            <a:endParaRPr lang="zh-CN" altLang="en-US" dirty="0"/>
           </a:p>
           <a:p>
             <a:pPr lvl="2"/>
@@ -2178,7 +2153,6 @@
               <a:rPr lang="zh-CN" altLang="en-US" dirty="0"/>
               <a:t>Third level</a:t>
             </a:r>
-            <a:endParaRPr lang="zh-CN" altLang="en-US" dirty="0"/>
           </a:p>
           <a:p>
             <a:pPr lvl="3"/>
@@ -2186,7 +2160,6 @@
               <a:rPr lang="zh-CN" altLang="en-US" dirty="0"/>
               <a:t>Fourth level</a:t>
             </a:r>
-            <a:endParaRPr lang="zh-CN" altLang="en-US" dirty="0"/>
           </a:p>
           <a:p>
             <a:pPr lvl="4"/>
@@ -2194,7 +2167,6 @@
               <a:rPr lang="zh-CN" altLang="en-US" dirty="0"/>
               <a:t>Fifth level</a:t>
             </a:r>
-            <a:endParaRPr lang="zh-CN" altLang="en-US" dirty="0"/>
           </a:p>
         </p:txBody>
       </p:sp>
@@ -2215,6 +2187,7 @@
           <a:p>
             <a:fld id="{760FBDFE-C587-4B4C-A407-44438C67B59E}" type="datetimeFigureOut">
               <a:rPr lang="zh-CN" altLang="en-US" smtClean="0"/>
+              <a:t>2024/9/23</a:t>
             </a:fld>
             <a:endParaRPr lang="zh-CN" altLang="en-US"/>
           </a:p>
@@ -2256,6 +2229,7 @@
           <a:p>
             <a:fld id="{49AE70B2-8BF9-45C0-BB95-33D1B9D3A854}" type="slidenum">
               <a:rPr lang="zh-CN" altLang="en-US" smtClean="0"/>
+              <a:t>‹#›</a:t>
             </a:fld>
             <a:endParaRPr lang="zh-CN" altLang="en-US"/>
           </a:p>
@@ -2324,7 +2298,6 @@
               <a:rPr lang="zh-CN" altLang="en-US" dirty="0"/>
               <a:t>Click to edit Master title style</a:t>
             </a:r>
-            <a:endParaRPr lang="zh-CN" altLang="en-US" dirty="0"/>
           </a:p>
         </p:txBody>
       </p:sp>
@@ -2345,6 +2318,7 @@
           <a:p>
             <a:fld id="{760FBDFE-C587-4B4C-A407-44438C67B59E}" type="datetimeFigureOut">
               <a:rPr lang="zh-CN" altLang="en-US" smtClean="0"/>
+              <a:t>2024/9/23</a:t>
             </a:fld>
             <a:endParaRPr lang="zh-CN" altLang="en-US"/>
           </a:p>
@@ -2386,6 +2360,7 @@
           <a:p>
             <a:fld id="{49AE70B2-8BF9-45C0-BB95-33D1B9D3A854}" type="slidenum">
               <a:rPr lang="zh-CN" altLang="en-US" smtClean="0"/>
+              <a:t>‹#›</a:t>
             </a:fld>
             <a:endParaRPr lang="zh-CN" altLang="en-US"/>
           </a:p>
@@ -2433,6 +2408,7 @@
           <a:p>
             <a:fld id="{760FBDFE-C587-4B4C-A407-44438C67B59E}" type="datetimeFigureOut">
               <a:rPr lang="zh-CN" altLang="en-US" smtClean="0"/>
+              <a:t>2024/9/23</a:t>
             </a:fld>
             <a:endParaRPr lang="zh-CN" altLang="en-US"/>
           </a:p>
@@ -2474,6 +2450,7 @@
           <a:p>
             <a:fld id="{49AE70B2-8BF9-45C0-BB95-33D1B9D3A854}" type="slidenum">
               <a:rPr lang="zh-CN" altLang="en-US" smtClean="0"/>
+              <a:t>‹#›</a:t>
             </a:fld>
             <a:endParaRPr lang="zh-CN" altLang="en-US"/>
           </a:p>
@@ -2544,9 +2521,6 @@
               </a:rPr>
               <a:t>Click to edit Master title style</a:t>
             </a:r>
-            <a:endParaRPr lang="zh-CN" altLang="en-US" dirty="0">
-              <a:sym typeface="+mn-ea"/>
-            </a:endParaRPr>
           </a:p>
         </p:txBody>
       </p:sp>
@@ -2678,7 +2652,6 @@
               <a:rPr lang="zh-CN" altLang="en-US" dirty="0"/>
               <a:t>Click to edit Master text styles</a:t>
             </a:r>
-            <a:endParaRPr lang="zh-CN" altLang="en-US" dirty="0"/>
           </a:p>
         </p:txBody>
       </p:sp>
@@ -2699,6 +2672,7 @@
           <a:p>
             <a:fld id="{9EFD9D74-47D9-4702-A33C-335B63B48DBF}" type="datetimeFigureOut">
               <a:rPr lang="zh-CN" altLang="en-US" smtClean="0"/>
+              <a:t>2024/9/23</a:t>
             </a:fld>
             <a:endParaRPr lang="zh-CN" altLang="en-US" dirty="0"/>
           </a:p>
@@ -2740,6 +2714,7 @@
           <a:p>
             <a:fld id="{FABC47A4-756D-490B-A52F-7D9E2C9FC05F}" type="slidenum">
               <a:rPr lang="zh-CN" altLang="en-US" smtClean="0"/>
+              <a:t>‹#›</a:t>
             </a:fld>
             <a:endParaRPr lang="zh-CN" altLang="en-US"/>
           </a:p>
@@ -2830,7 +2805,6 @@
               <a:rPr lang="zh-CN" altLang="en-US"/>
               <a:t>Click to edit Master title style</a:t>
             </a:r>
-            <a:endParaRPr lang="zh-CN" altLang="en-US"/>
           </a:p>
         </p:txBody>
       </p:sp>
@@ -2861,9 +2835,6 @@
               </a:rPr>
               <a:t>Click to edit Master text styles</a:t>
             </a:r>
-            <a:endParaRPr lang="zh-CN" altLang="en-US" dirty="0">
-              <a:sym typeface="+mn-ea"/>
-            </a:endParaRPr>
           </a:p>
           <a:p>
             <a:pPr lvl="1"/>
@@ -2871,7 +2842,6 @@
               <a:rPr lang="zh-CN" altLang="en-US" dirty="0"/>
               <a:t>Second level</a:t>
             </a:r>
-            <a:endParaRPr lang="zh-CN" altLang="en-US" dirty="0"/>
           </a:p>
           <a:p>
             <a:pPr lvl="2"/>
@@ -2879,7 +2849,6 @@
               <a:rPr lang="zh-CN" altLang="en-US" dirty="0"/>
               <a:t>Third level</a:t>
             </a:r>
-            <a:endParaRPr lang="zh-CN" altLang="en-US" dirty="0"/>
           </a:p>
           <a:p>
             <a:pPr lvl="3"/>
@@ -2887,7 +2856,6 @@
               <a:rPr lang="zh-CN" altLang="en-US" dirty="0"/>
               <a:t>Fourth level</a:t>
             </a:r>
-            <a:endParaRPr lang="zh-CN" altLang="en-US" dirty="0"/>
           </a:p>
           <a:p>
             <a:pPr lvl="4"/>
@@ -2895,7 +2863,6 @@
               <a:rPr lang="zh-CN" altLang="en-US" dirty="0"/>
               <a:t>Fifth level</a:t>
             </a:r>
-            <a:endParaRPr lang="zh-CN" altLang="en-US" dirty="0"/>
           </a:p>
         </p:txBody>
       </p:sp>
@@ -2916,6 +2883,7 @@
           <a:p>
             <a:fld id="{760FBDFE-C587-4B4C-A407-44438C67B59E}" type="datetimeFigureOut">
               <a:rPr lang="zh-CN" altLang="en-US" smtClean="0"/>
+              <a:t>2024/9/23</a:t>
             </a:fld>
             <a:endParaRPr lang="zh-CN" altLang="en-US"/>
           </a:p>
@@ -2957,6 +2925,7 @@
           <a:p>
             <a:fld id="{49AE70B2-8BF9-45C0-BB95-33D1B9D3A854}" type="slidenum">
               <a:rPr lang="zh-CN" altLang="en-US" smtClean="0"/>
+              <a:t>‹#›</a:t>
             </a:fld>
             <a:endParaRPr lang="zh-CN" altLang="en-US"/>
           </a:p>
@@ -2976,7 +2945,7 @@
     <p:bg>
       <p:bgPr>
         <a:solidFill>
-          <a:schemeClr val="bg1"/>
+          <a:schemeClr val="tx1"/>
         </a:solidFill>
         <a:effectLst/>
       </p:bgPr>
@@ -3024,7 +2993,6 @@
               <a:rPr lang="zh-CN" altLang="en-US" dirty="0"/>
               <a:t>Click to edit Master title style</a:t>
             </a:r>
-            <a:endParaRPr lang="zh-CN" altLang="en-US" dirty="0"/>
           </a:p>
         </p:txBody>
       </p:sp>
@@ -3060,9 +3028,6 @@
               </a:rPr>
               <a:t>Click to edit Master text styles</a:t>
             </a:r>
-            <a:endParaRPr lang="zh-CN" altLang="en-US" dirty="0">
-              <a:sym typeface="+mn-ea"/>
-            </a:endParaRPr>
           </a:p>
           <a:p>
             <a:pPr lvl="1"/>
@@ -3070,7 +3035,6 @@
               <a:rPr lang="zh-CN" altLang="en-US" dirty="0"/>
               <a:t>Second level</a:t>
             </a:r>
-            <a:endParaRPr lang="zh-CN" altLang="en-US" dirty="0"/>
           </a:p>
           <a:p>
             <a:pPr lvl="2"/>
@@ -3078,7 +3042,6 @@
               <a:rPr lang="zh-CN" altLang="en-US" dirty="0"/>
               <a:t>Third level</a:t>
             </a:r>
-            <a:endParaRPr lang="zh-CN" altLang="en-US" dirty="0"/>
           </a:p>
           <a:p>
             <a:pPr lvl="3"/>
@@ -3086,7 +3049,6 @@
               <a:rPr lang="zh-CN" altLang="en-US" dirty="0"/>
               <a:t>Fourth level</a:t>
             </a:r>
-            <a:endParaRPr lang="zh-CN" altLang="en-US" dirty="0"/>
           </a:p>
           <a:p>
             <a:pPr lvl="4"/>
@@ -3094,7 +3056,6 @@
               <a:rPr lang="zh-CN" altLang="en-US" dirty="0"/>
               <a:t>Fifth level</a:t>
             </a:r>
-            <a:endParaRPr lang="zh-CN" altLang="en-US" dirty="0"/>
           </a:p>
         </p:txBody>
       </p:sp>
@@ -3135,6 +3096,7 @@
           <a:p>
             <a:fld id="{760FBDFE-C587-4B4C-A407-44438C67B59E}" type="datetimeFigureOut">
               <a:rPr lang="zh-CN" altLang="en-US" smtClean="0"/>
+              <a:t>2024/9/23</a:t>
             </a:fld>
             <a:endParaRPr lang="zh-CN" altLang="en-US"/>
           </a:p>
@@ -3216,6 +3178,7 @@
           <a:p>
             <a:fld id="{49AE70B2-8BF9-45C0-BB95-33D1B9D3A854}" type="slidenum">
               <a:rPr lang="zh-CN" altLang="en-US" smtClean="0"/>
+              <a:t>‹#›</a:t>
             </a:fld>
             <a:endParaRPr lang="zh-CN" altLang="en-US"/>
           </a:p>
@@ -3522,21 +3485,20 @@
 <file path=ppt/slides/slide1.xml><?xml version="1.0" encoding="utf-8"?>
 <p:sld xmlns:a="http://schemas.openxmlformats.org/drawingml/2006/main" xmlns:r="http://schemas.openxmlformats.org/officeDocument/2006/relationships" xmlns:p="http://schemas.openxmlformats.org/presentationml/2006/main">
   <p:cSld>
-    <p:bg>
-      <p:bgPr>
-        <a:solidFill>
-          <a:schemeClr val="tx1"/>
-        </a:solidFill>
-        <a:effectLst/>
-      </p:bgPr>
-    </p:bg>
     <p:spTree>
       <p:nvGrpSpPr>
         <p:cNvPr id="1" name=""/>
         <p:cNvGrpSpPr/>
         <p:nvPr/>
       </p:nvGrpSpPr>
-      <p:grpSpPr/>
+      <p:grpSpPr>
+        <a:xfrm>
+          <a:off x="0" y="0"/>
+          <a:ext cx="0" cy="0"/>
+          <a:chOff x="0" y="0"/>
+          <a:chExt cx="0" cy="0"/>
+        </a:xfrm>
+      </p:grpSpPr>
       <p:sp>
         <p:nvSpPr>
           <p:cNvPr id="5" name="Rectangles 4"/>
@@ -3584,6 +3546,7 @@
         </p:style>
         <p:txBody>
           <a:bodyPr rtlCol="0" anchor="ctr"/>
+          <a:lstStyle/>
           <a:p>
             <a:pPr algn="ctr"/>
             <a:endParaRPr lang="en-US" sz="1000">
@@ -3640,6 +3603,7 @@
         </p:style>
         <p:txBody>
           <a:bodyPr rtlCol="0" anchor="ctr"/>
+          <a:lstStyle/>
           <a:p>
             <a:pPr algn="ctr"/>
             <a:endParaRPr lang="en-US" sz="1000">
@@ -3696,6 +3660,7 @@
         </p:style>
         <p:txBody>
           <a:bodyPr rtlCol="0" anchor="ctr"/>
+          <a:lstStyle/>
           <a:p>
             <a:pPr algn="ctr"/>
             <a:endParaRPr lang="en-US" sz="1000">
@@ -3752,6 +3717,7 @@
         </p:style>
         <p:txBody>
           <a:bodyPr rtlCol="0" anchor="ctr"/>
+          <a:lstStyle/>
           <a:p>
             <a:pPr algn="ctr"/>
             <a:endParaRPr lang="en-US" sz="1000">
@@ -3808,6 +3774,7 @@
         </p:style>
         <p:txBody>
           <a:bodyPr rtlCol="0" anchor="ctr"/>
+          <a:lstStyle/>
           <a:p>
             <a:pPr algn="ctr"/>
             <a:endParaRPr lang="en-US" sz="1000">
@@ -3864,6 +3831,7 @@
         </p:style>
         <p:txBody>
           <a:bodyPr rtlCol="0" anchor="ctr"/>
+          <a:lstStyle/>
           <a:p>
             <a:pPr algn="ctr"/>
             <a:endParaRPr lang="en-US" sz="1000">
@@ -3920,6 +3888,7 @@
         </p:style>
         <p:txBody>
           <a:bodyPr rtlCol="0" anchor="ctr"/>
+          <a:lstStyle/>
           <a:p>
             <a:pPr algn="ctr"/>
             <a:endParaRPr lang="en-US" sz="1000">
@@ -3979,6 +3948,7 @@
         </p:style>
         <p:txBody>
           <a:bodyPr rtlCol="0" anchor="ctr"/>
+          <a:lstStyle/>
           <a:p>
             <a:pPr algn="ctr"/>
             <a:endParaRPr lang="en-US" sz="1000">
@@ -4124,6 +4094,7 @@
         </p:style>
         <p:txBody>
           <a:bodyPr rtlCol="0" anchor="ctr"/>
+          <a:lstStyle/>
           <a:p>
             <a:pPr algn="ctr"/>
             <a:endParaRPr lang="en-US" sz="1000">
@@ -4180,6 +4151,7 @@
         </p:style>
         <p:txBody>
           <a:bodyPr rtlCol="0" anchor="ctr"/>
+          <a:lstStyle/>
           <a:p>
             <a:pPr algn="ctr"/>
             <a:r>
@@ -4189,10 +4161,6 @@
               </a:rPr>
               <a:t>Hierarchy</a:t>
             </a:r>
-            <a:endParaRPr lang="en-US" sz="1000">
-              <a:latin typeface="Cascadia Code" panose="020B0609020000020004" charset="0"/>
-              <a:cs typeface="Cascadia Code" panose="020B0609020000020004" charset="0"/>
-            </a:endParaRPr>
           </a:p>
         </p:txBody>
       </p:sp>
@@ -4204,7 +4172,7 @@
         </p:nvSpPr>
         <p:spPr>
           <a:xfrm rot="5400000">
-            <a:off x="1946910" y="3029585"/>
+            <a:off x="1946910" y="3034665"/>
             <a:ext cx="1031875" cy="282575"/>
           </a:xfrm>
           <a:prstGeom prst="rect">
@@ -4243,6 +4211,7 @@
         </p:style>
         <p:txBody>
           <a:bodyPr rtlCol="0" anchor="ctr"/>
+          <a:lstStyle/>
           <a:p>
             <a:pPr algn="ctr"/>
             <a:r>
@@ -4252,10 +4221,6 @@
               </a:rPr>
               <a:t>Tools</a:t>
             </a:r>
-            <a:endParaRPr lang="en-US" sz="1000">
-              <a:latin typeface="Cascadia Code" panose="020B0609020000020004" charset="0"/>
-              <a:cs typeface="Cascadia Code" panose="020B0609020000020004" charset="0"/>
-            </a:endParaRPr>
           </a:p>
         </p:txBody>
       </p:sp>
@@ -4306,6 +4271,7 @@
         </p:style>
         <p:txBody>
           <a:bodyPr rtlCol="0" anchor="ctr"/>
+          <a:lstStyle/>
           <a:p>
             <a:pPr algn="ctr"/>
             <a:r>
@@ -4315,10 +4281,6 @@
               </a:rPr>
               <a:t>Timeline</a:t>
             </a:r>
-            <a:endParaRPr lang="en-US" sz="1000">
-              <a:latin typeface="Cascadia Code" panose="020B0609020000020004" charset="0"/>
-              <a:cs typeface="Cascadia Code" panose="020B0609020000020004" charset="0"/>
-            </a:endParaRPr>
           </a:p>
         </p:txBody>
       </p:sp>
@@ -4330,8 +4292,8 @@
         </p:nvSpPr>
         <p:spPr>
           <a:xfrm rot="16200000">
-            <a:off x="8943340" y="6196965"/>
-            <a:ext cx="1031875" cy="282575"/>
+            <a:off x="8942705" y="6197599"/>
+            <a:ext cx="1031875" cy="281305"/>
           </a:xfrm>
           <a:prstGeom prst="rect">
             <a:avLst/>
@@ -4369,6 +4331,7 @@
         </p:style>
         <p:txBody>
           <a:bodyPr rtlCol="0" anchor="ctr"/>
+          <a:lstStyle/>
           <a:p>
             <a:pPr algn="ctr"/>
             <a:r>
@@ -4378,10 +4341,6 @@
               </a:rPr>
               <a:t>Notes</a:t>
             </a:r>
-            <a:endParaRPr lang="en-US" sz="1000">
-              <a:latin typeface="Cascadia Code" panose="020B0609020000020004" charset="0"/>
-              <a:cs typeface="Cascadia Code" panose="020B0609020000020004" charset="0"/>
-            </a:endParaRPr>
           </a:p>
         </p:txBody>
       </p:sp>
@@ -4393,8 +4352,8 @@
         </p:nvSpPr>
         <p:spPr>
           <a:xfrm rot="16200000">
-            <a:off x="8944610" y="5165090"/>
-            <a:ext cx="1031875" cy="282575"/>
+            <a:off x="8943975" y="5165724"/>
+            <a:ext cx="1031875" cy="281305"/>
           </a:xfrm>
           <a:prstGeom prst="rect">
             <a:avLst/>
@@ -4432,6 +4391,7 @@
         </p:style>
         <p:txBody>
           <a:bodyPr rtlCol="0" anchor="ctr"/>
+          <a:lstStyle/>
           <a:p>
             <a:pPr algn="ctr"/>
             <a:r>
@@ -4441,10 +4401,6 @@
               </a:rPr>
               <a:t>Properties</a:t>
             </a:r>
-            <a:endParaRPr lang="en-US" sz="1000">
-              <a:latin typeface="Cascadia Code" panose="020B0609020000020004" charset="0"/>
-              <a:cs typeface="Cascadia Code" panose="020B0609020000020004" charset="0"/>
-            </a:endParaRPr>
           </a:p>
         </p:txBody>
       </p:sp>
@@ -4495,6 +4451,7 @@
         </p:style>
         <p:txBody>
           <a:bodyPr rtlCol="0" anchor="ctr"/>
+          <a:lstStyle/>
           <a:p>
             <a:pPr algn="ctr"/>
             <a:r>
@@ -4504,10 +4461,6 @@
               </a:rPr>
               <a:t>Sprites</a:t>
             </a:r>
-            <a:endParaRPr lang="en-US" sz="1000">
-              <a:latin typeface="Cascadia Code" panose="020B0609020000020004" charset="0"/>
-              <a:cs typeface="Cascadia Code" panose="020B0609020000020004" charset="0"/>
-            </a:endParaRPr>
           </a:p>
         </p:txBody>
       </p:sp>
@@ -4553,6 +4506,7 @@
         </p:style>
         <p:txBody>
           <a:bodyPr rtlCol="0" anchor="ctr"/>
+          <a:lstStyle/>
           <a:p>
             <a:pPr algn="ctr"/>
             <a:r>
@@ -4562,10 +4516,6 @@
               </a:rPr>
               <a:t>File</a:t>
             </a:r>
-            <a:endParaRPr lang="en-US" sz="1000">
-              <a:latin typeface="Cascadia Code" panose="020B0609020000020004" charset="0"/>
-              <a:cs typeface="Cascadia Code" panose="020B0609020000020004" charset="0"/>
-            </a:endParaRPr>
           </a:p>
         </p:txBody>
       </p:sp>
@@ -4611,6 +4561,7 @@
         </p:style>
         <p:txBody>
           <a:bodyPr rtlCol="0" anchor="ctr"/>
+          <a:lstStyle/>
           <a:p>
             <a:pPr algn="ctr"/>
             <a:r>
@@ -4620,10 +4571,6 @@
               </a:rPr>
               <a:t>Edit</a:t>
             </a:r>
-            <a:endParaRPr lang="en-US" sz="1000">
-              <a:latin typeface="Cascadia Code" panose="020B0609020000020004" charset="0"/>
-              <a:cs typeface="Cascadia Code" panose="020B0609020000020004" charset="0"/>
-            </a:endParaRPr>
           </a:p>
         </p:txBody>
       </p:sp>
@@ -4669,6 +4616,7 @@
         </p:style>
         <p:txBody>
           <a:bodyPr rtlCol="0" anchor="ctr"/>
+          <a:lstStyle/>
           <a:p>
             <a:pPr algn="ctr"/>
             <a:r>
@@ -4678,10 +4626,6 @@
               </a:rPr>
               <a:t>View</a:t>
             </a:r>
-            <a:endParaRPr lang="en-US" sz="1000">
-              <a:latin typeface="Cascadia Code" panose="020B0609020000020004" charset="0"/>
-              <a:cs typeface="Cascadia Code" panose="020B0609020000020004" charset="0"/>
-            </a:endParaRPr>
           </a:p>
         </p:txBody>
       </p:sp>
@@ -4727,6 +4671,7 @@
         </p:style>
         <p:txBody>
           <a:bodyPr rtlCol="0" anchor="ctr"/>
+          <a:lstStyle/>
           <a:p>
             <a:pPr algn="ctr"/>
             <a:r>
@@ -4736,10 +4681,6 @@
               </a:rPr>
               <a:t>Help</a:t>
             </a:r>
-            <a:endParaRPr lang="en-US" sz="1000">
-              <a:latin typeface="Cascadia Code" panose="020B0609020000020004" charset="0"/>
-              <a:cs typeface="Cascadia Code" panose="020B0609020000020004" charset="0"/>
-            </a:endParaRPr>
           </a:p>
         </p:txBody>
       </p:sp>
@@ -4784,6 +4725,7 @@
         </p:style>
         <p:txBody>
           <a:bodyPr rtlCol="0" anchor="t" anchorCtr="0"/>
+          <a:lstStyle/>
           <a:p>
             <a:pPr algn="l"/>
             <a:r>
@@ -4796,13 +4738,6 @@
               </a:rPr>
               <a:t>This is a warning modal</a:t>
             </a:r>
-            <a:endParaRPr lang="en-US" sz="1000">
-              <a:solidFill>
-                <a:srgbClr val="EAE800"/>
-              </a:solidFill>
-              <a:latin typeface="Cascadia Code" panose="020B0609020000020004" charset="0"/>
-              <a:cs typeface="Cascadia Code" panose="020B0609020000020004" charset="0"/>
-            </a:endParaRPr>
           </a:p>
         </p:txBody>
       </p:sp>
@@ -4847,6 +4782,7 @@
         </p:style>
         <p:txBody>
           <a:bodyPr rtlCol="0" anchor="t" anchorCtr="0"/>
+          <a:lstStyle/>
           <a:p>
             <a:pPr algn="l"/>
             <a:r>
@@ -4859,13 +4795,6 @@
               </a:rPr>
               <a:t>This is a danger modal</a:t>
             </a:r>
-            <a:endParaRPr lang="en-US" sz="1000">
-              <a:solidFill>
-                <a:srgbClr val="FF4D4D"/>
-              </a:solidFill>
-              <a:latin typeface="Cascadia Code" panose="020B0609020000020004" charset="0"/>
-              <a:cs typeface="Cascadia Code" panose="020B0609020000020004" charset="0"/>
-            </a:endParaRPr>
           </a:p>
         </p:txBody>
       </p:sp>
@@ -4905,6 +4834,7 @@
         </p:style>
         <p:txBody>
           <a:bodyPr rtlCol="0" anchor="t" anchorCtr="0"/>
+          <a:lstStyle/>
           <a:p>
             <a:pPr algn="l"/>
             <a:r>
@@ -4920,16 +4850,6 @@
               </a:rPr>
               <a:t>This is an info </a:t>
             </a:r>
-            <a:endParaRPr lang="en-US" sz="1000">
-              <a:solidFill>
-                <a:schemeClr val="accent1">
-                  <a:lumMod val="60000"/>
-                  <a:lumOff val="40000"/>
-                </a:schemeClr>
-              </a:solidFill>
-              <a:latin typeface="Cascadia Code" panose="020B0609020000020004" charset="0"/>
-              <a:cs typeface="Cascadia Code" panose="020B0609020000020004" charset="0"/>
-            </a:endParaRPr>
           </a:p>
           <a:p>
             <a:pPr algn="l"/>
@@ -4946,16 +4866,6 @@
               </a:rPr>
               <a:t>modal</a:t>
             </a:r>
-            <a:endParaRPr lang="en-US" sz="1000">
-              <a:solidFill>
-                <a:schemeClr val="accent1">
-                  <a:lumMod val="60000"/>
-                  <a:lumOff val="40000"/>
-                </a:schemeClr>
-              </a:solidFill>
-              <a:latin typeface="Cascadia Code" panose="020B0609020000020004" charset="0"/>
-              <a:cs typeface="Cascadia Code" panose="020B0609020000020004" charset="0"/>
-            </a:endParaRPr>
           </a:p>
         </p:txBody>
       </p:sp>
@@ -4992,6 +4902,7 @@
         </p:style>
         <p:txBody>
           <a:bodyPr rtlCol="0" anchor="ctr"/>
+          <a:lstStyle/>
           <a:p>
             <a:pPr algn="ctr"/>
             <a:endParaRPr lang="en-US"/>
@@ -5045,6 +4956,7 @@
         </p:style>
         <p:txBody>
           <a:bodyPr rtlCol="0" anchor="ctr"/>
+          <a:lstStyle/>
           <a:p>
             <a:pPr algn="ctr"/>
             <a:endParaRPr lang="en-US" sz="1000">
@@ -5055,6 +4967,823 @@
         </p:txBody>
       </p:sp>
     </p:spTree>
+  </p:cSld>
+  <p:clrMapOvr>
+    <a:masterClrMapping/>
+  </p:clrMapOvr>
+</p:sld>
+</file>
+
+<file path=ppt/slides/slide2.xml><?xml version="1.0" encoding="utf-8"?>
+<p:sld xmlns:a="http://schemas.openxmlformats.org/drawingml/2006/main" xmlns:r="http://schemas.openxmlformats.org/officeDocument/2006/relationships" xmlns:p="http://schemas.openxmlformats.org/presentationml/2006/main">
+  <p:cSld>
+    <p:spTree>
+      <p:nvGrpSpPr>
+        <p:cNvPr id="1" name=""/>
+        <p:cNvGrpSpPr/>
+        <p:nvPr/>
+      </p:nvGrpSpPr>
+      <p:grpSpPr>
+        <a:xfrm>
+          <a:off x="0" y="0"/>
+          <a:ext cx="0" cy="0"/>
+          <a:chOff x="0" y="0"/>
+          <a:chExt cx="0" cy="0"/>
+        </a:xfrm>
+      </p:grpSpPr>
+      <p:sp>
+        <p:nvSpPr>
+          <p:cNvPr id="2" name="TextBox 1">
+            <a:extLst>
+              <a:ext uri="{FF2B5EF4-FFF2-40B4-BE49-F238E27FC236}">
+                <a16:creationId xmlns:a16="http://schemas.microsoft.com/office/drawing/2014/main" id="{95AF4E72-C808-48B0-AB15-B2A80D3F05B0}"/>
+              </a:ext>
+            </a:extLst>
+          </p:cNvPr>
+          <p:cNvSpPr txBox="1"/>
+          <p:nvPr/>
+        </p:nvSpPr>
+        <p:spPr>
+          <a:xfrm>
+            <a:off x="142875" y="180975"/>
+            <a:ext cx="992579" cy="369332"/>
+          </a:xfrm>
+          <a:prstGeom prst="rect">
+            <a:avLst/>
+          </a:prstGeom>
+          <a:noFill/>
+        </p:spPr>
+        <p:txBody>
+          <a:bodyPr wrap="none" rtlCol="0">
+            <a:spAutoFit/>
+          </a:bodyPr>
+          <a:lstStyle/>
+          <a:p>
+            <a:r>
+              <a:rPr lang="en-US" dirty="0">
+                <a:solidFill>
+                  <a:schemeClr val="bg1"/>
+                </a:solidFill>
+                <a:latin typeface="Cascadia Code" panose="020B0609020000020004" pitchFamily="49" charset="0"/>
+                <a:cs typeface="Cascadia Code" panose="020B0609020000020004" pitchFamily="49" charset="0"/>
+              </a:rPr>
+              <a:t>Arrows</a:t>
+            </a:r>
+          </a:p>
+        </p:txBody>
+      </p:sp>
+      <p:grpSp>
+        <p:nvGrpSpPr>
+          <p:cNvPr id="16" name="Group 15">
+            <a:extLst>
+              <a:ext uri="{FF2B5EF4-FFF2-40B4-BE49-F238E27FC236}">
+                <a16:creationId xmlns:a16="http://schemas.microsoft.com/office/drawing/2014/main" id="{1B63C8A6-581F-4DB8-8473-305161B8D4EB}"/>
+              </a:ext>
+            </a:extLst>
+          </p:cNvPr>
+          <p:cNvGrpSpPr/>
+          <p:nvPr/>
+        </p:nvGrpSpPr>
+        <p:grpSpPr>
+          <a:xfrm>
+            <a:off x="454493" y="788536"/>
+            <a:ext cx="643849" cy="735960"/>
+            <a:chOff x="2727759" y="3054989"/>
+            <a:chExt cx="2020992" cy="2310121"/>
+          </a:xfrm>
+        </p:grpSpPr>
+        <p:sp>
+          <p:nvSpPr>
+            <p:cNvPr id="17" name="Half Frame 16">
+              <a:extLst>
+                <a:ext uri="{FF2B5EF4-FFF2-40B4-BE49-F238E27FC236}">
+                  <a16:creationId xmlns:a16="http://schemas.microsoft.com/office/drawing/2014/main" id="{33BAFEFC-F422-41FE-A4DF-6270E2930284}"/>
+                </a:ext>
+              </a:extLst>
+            </p:cNvPr>
+            <p:cNvSpPr/>
+            <p:nvPr/>
+          </p:nvSpPr>
+          <p:spPr>
+            <a:xfrm rot="2700000">
+              <a:off x="2727759" y="3103459"/>
+              <a:ext cx="2020992" cy="2020992"/>
+            </a:xfrm>
+            <a:prstGeom prst="halfFrame">
+              <a:avLst>
+                <a:gd name="adj1" fmla="val 28040"/>
+                <a:gd name="adj2" fmla="val 27250"/>
+              </a:avLst>
+            </a:prstGeom>
+            <a:solidFill>
+              <a:schemeClr val="bg1"/>
+            </a:solidFill>
+            <a:ln>
+              <a:noFill/>
+            </a:ln>
+          </p:spPr>
+          <p:style>
+            <a:lnRef idx="2">
+              <a:schemeClr val="accent1">
+                <a:shade val="50000"/>
+              </a:schemeClr>
+            </a:lnRef>
+            <a:fillRef idx="1">
+              <a:schemeClr val="accent1"/>
+            </a:fillRef>
+            <a:effectRef idx="0">
+              <a:schemeClr val="accent1"/>
+            </a:effectRef>
+            <a:fontRef idx="minor">
+              <a:schemeClr val="lt1"/>
+            </a:fontRef>
+          </p:style>
+          <p:txBody>
+            <a:bodyPr rtlCol="0" anchor="ctr"/>
+            <a:lstStyle/>
+            <a:p>
+              <a:pPr algn="ctr"/>
+              <a:endParaRPr lang="en-US">
+                <a:solidFill>
+                  <a:schemeClr val="tx1"/>
+                </a:solidFill>
+              </a:endParaRPr>
+            </a:p>
+          </p:txBody>
+        </p:sp>
+        <p:sp>
+          <p:nvSpPr>
+            <p:cNvPr id="18" name="Rectangle 17">
+              <a:extLst>
+                <a:ext uri="{FF2B5EF4-FFF2-40B4-BE49-F238E27FC236}">
+                  <a16:creationId xmlns:a16="http://schemas.microsoft.com/office/drawing/2014/main" id="{212E4F23-2B3F-4031-9FDF-59FBE2BF4DD8}"/>
+                </a:ext>
+              </a:extLst>
+            </p:cNvPr>
+            <p:cNvSpPr/>
+            <p:nvPr/>
+          </p:nvSpPr>
+          <p:spPr>
+            <a:xfrm>
+              <a:off x="3462030" y="3054989"/>
+              <a:ext cx="552451" cy="2310121"/>
+            </a:xfrm>
+            <a:prstGeom prst="rect">
+              <a:avLst/>
+            </a:prstGeom>
+            <a:solidFill>
+              <a:schemeClr val="bg1"/>
+            </a:solidFill>
+            <a:ln>
+              <a:noFill/>
+            </a:ln>
+          </p:spPr>
+          <p:style>
+            <a:lnRef idx="2">
+              <a:schemeClr val="accent1">
+                <a:shade val="50000"/>
+              </a:schemeClr>
+            </a:lnRef>
+            <a:fillRef idx="1">
+              <a:schemeClr val="accent1"/>
+            </a:fillRef>
+            <a:effectRef idx="0">
+              <a:schemeClr val="accent1"/>
+            </a:effectRef>
+            <a:fontRef idx="minor">
+              <a:schemeClr val="lt1"/>
+            </a:fontRef>
+          </p:style>
+          <p:txBody>
+            <a:bodyPr rtlCol="0" anchor="ctr"/>
+            <a:lstStyle/>
+            <a:p>
+              <a:pPr algn="ctr"/>
+              <a:endParaRPr lang="en-US"/>
+            </a:p>
+          </p:txBody>
+        </p:sp>
+      </p:grpSp>
+      <p:sp>
+        <p:nvSpPr>
+          <p:cNvPr id="22" name="Isosceles Triangle 21">
+            <a:extLst>
+              <a:ext uri="{FF2B5EF4-FFF2-40B4-BE49-F238E27FC236}">
+                <a16:creationId xmlns:a16="http://schemas.microsoft.com/office/drawing/2014/main" id="{0D130B98-191A-4DF4-A04E-DCE433C1DE9D}"/>
+              </a:ext>
+            </a:extLst>
+          </p:cNvPr>
+          <p:cNvSpPr/>
+          <p:nvPr/>
+        </p:nvSpPr>
+        <p:spPr>
+          <a:xfrm>
+            <a:off x="1390650" y="613052"/>
+            <a:ext cx="1057275" cy="911444"/>
+          </a:xfrm>
+          <a:prstGeom prst="triangle">
+            <a:avLst/>
+          </a:prstGeom>
+          <a:solidFill>
+            <a:schemeClr val="bg1"/>
+          </a:solidFill>
+          <a:ln>
+            <a:noFill/>
+          </a:ln>
+        </p:spPr>
+        <p:style>
+          <a:lnRef idx="2">
+            <a:schemeClr val="accent1">
+              <a:shade val="50000"/>
+            </a:schemeClr>
+          </a:lnRef>
+          <a:fillRef idx="1">
+            <a:schemeClr val="accent1"/>
+          </a:fillRef>
+          <a:effectRef idx="0">
+            <a:schemeClr val="accent1"/>
+          </a:effectRef>
+          <a:fontRef idx="minor">
+            <a:schemeClr val="lt1"/>
+          </a:fontRef>
+        </p:style>
+        <p:txBody>
+          <a:bodyPr rtlCol="0" anchor="ctr"/>
+          <a:lstStyle/>
+          <a:p>
+            <a:pPr algn="ctr"/>
+            <a:endParaRPr lang="en-US"/>
+          </a:p>
+        </p:txBody>
+      </p:sp>
+      <p:pic>
+        <p:nvPicPr>
+          <p:cNvPr id="24" name="Picture 23">
+            <a:extLst>
+              <a:ext uri="{FF2B5EF4-FFF2-40B4-BE49-F238E27FC236}">
+                <a16:creationId xmlns:a16="http://schemas.microsoft.com/office/drawing/2014/main" id="{B0DECE8D-F095-423A-82B4-C3F98CDC4865}"/>
+              </a:ext>
+            </a:extLst>
+          </p:cNvPr>
+          <p:cNvPicPr>
+            <a:picLocks noChangeAspect="1"/>
+          </p:cNvPicPr>
+          <p:nvPr/>
+        </p:nvPicPr>
+        <p:blipFill>
+          <a:blip r:embed="rId2">
+            <a:extLst>
+              <a:ext uri="{28A0092B-C50C-407E-A947-70E740481C1C}">
+                <a14:useLocalDpi xmlns:a14="http://schemas.microsoft.com/office/drawing/2010/main" val="0"/>
+              </a:ext>
+            </a:extLst>
+          </a:blip>
+          <a:stretch>
+            <a:fillRect/>
+          </a:stretch>
+        </p:blipFill>
+        <p:spPr>
+          <a:xfrm rot="10800000">
+            <a:off x="2606887" y="613053"/>
+            <a:ext cx="911443" cy="911443"/>
+          </a:xfrm>
+          <a:prstGeom prst="rect">
+            <a:avLst/>
+          </a:prstGeom>
+        </p:spPr>
+      </p:pic>
+      <p:sp>
+        <p:nvSpPr>
+          <p:cNvPr id="25" name="Arrow: Chevron 24">
+            <a:extLst>
+              <a:ext uri="{FF2B5EF4-FFF2-40B4-BE49-F238E27FC236}">
+                <a16:creationId xmlns:a16="http://schemas.microsoft.com/office/drawing/2014/main" id="{3EA23C75-C445-4A80-BFB7-A6247A2EAF90}"/>
+              </a:ext>
+            </a:extLst>
+          </p:cNvPr>
+          <p:cNvSpPr/>
+          <p:nvPr/>
+        </p:nvSpPr>
+        <p:spPr>
+          <a:xfrm rot="16200000">
+            <a:off x="3914775" y="670632"/>
+            <a:ext cx="911443" cy="911443"/>
+          </a:xfrm>
+          <a:prstGeom prst="chevron">
+            <a:avLst>
+              <a:gd name="adj" fmla="val 41640"/>
+            </a:avLst>
+          </a:prstGeom>
+          <a:solidFill>
+            <a:schemeClr val="bg1"/>
+          </a:solidFill>
+          <a:ln>
+            <a:noFill/>
+          </a:ln>
+        </p:spPr>
+        <p:style>
+          <a:lnRef idx="2">
+            <a:schemeClr val="accent1">
+              <a:shade val="50000"/>
+            </a:schemeClr>
+          </a:lnRef>
+          <a:fillRef idx="1">
+            <a:schemeClr val="accent1"/>
+          </a:fillRef>
+          <a:effectRef idx="0">
+            <a:schemeClr val="accent1"/>
+          </a:effectRef>
+          <a:fontRef idx="minor">
+            <a:schemeClr val="lt1"/>
+          </a:fontRef>
+        </p:style>
+        <p:txBody>
+          <a:bodyPr rtlCol="0" anchor="ctr"/>
+          <a:lstStyle/>
+          <a:p>
+            <a:pPr algn="ctr"/>
+            <a:endParaRPr lang="en-US">
+              <a:solidFill>
+                <a:schemeClr val="tx1"/>
+              </a:solidFill>
+            </a:endParaRPr>
+          </a:p>
+        </p:txBody>
+      </p:sp>
+      <p:sp>
+        <p:nvSpPr>
+          <p:cNvPr id="26" name="Arrow: Up 25">
+            <a:extLst>
+              <a:ext uri="{FF2B5EF4-FFF2-40B4-BE49-F238E27FC236}">
+                <a16:creationId xmlns:a16="http://schemas.microsoft.com/office/drawing/2014/main" id="{08F7FA08-566D-4AFA-B6F2-C38024A4B4A6}"/>
+              </a:ext>
+            </a:extLst>
+          </p:cNvPr>
+          <p:cNvSpPr/>
+          <p:nvPr/>
+        </p:nvSpPr>
+        <p:spPr>
+          <a:xfrm>
+            <a:off x="5251238" y="669729"/>
+            <a:ext cx="844762" cy="911444"/>
+          </a:xfrm>
+          <a:prstGeom prst="upArrow">
+            <a:avLst>
+              <a:gd name="adj1" fmla="val 46512"/>
+              <a:gd name="adj2" fmla="val 53135"/>
+            </a:avLst>
+          </a:prstGeom>
+          <a:solidFill>
+            <a:schemeClr val="bg1"/>
+          </a:solidFill>
+        </p:spPr>
+        <p:style>
+          <a:lnRef idx="2">
+            <a:schemeClr val="accent1">
+              <a:shade val="50000"/>
+            </a:schemeClr>
+          </a:lnRef>
+          <a:fillRef idx="1">
+            <a:schemeClr val="accent1"/>
+          </a:fillRef>
+          <a:effectRef idx="0">
+            <a:schemeClr val="accent1"/>
+          </a:effectRef>
+          <a:fontRef idx="minor">
+            <a:schemeClr val="lt1"/>
+          </a:fontRef>
+        </p:style>
+        <p:txBody>
+          <a:bodyPr rtlCol="0" anchor="ctr"/>
+          <a:lstStyle/>
+          <a:p>
+            <a:pPr algn="ctr"/>
+            <a:endParaRPr lang="en-US"/>
+          </a:p>
+        </p:txBody>
+      </p:sp>
+      <p:cxnSp>
+        <p:nvCxnSpPr>
+          <p:cNvPr id="29" name="Straight Arrow Connector 28">
+            <a:extLst>
+              <a:ext uri="{FF2B5EF4-FFF2-40B4-BE49-F238E27FC236}">
+                <a16:creationId xmlns:a16="http://schemas.microsoft.com/office/drawing/2014/main" id="{2700334A-1714-4575-BC28-4EE8C31A50CD}"/>
+              </a:ext>
+            </a:extLst>
+          </p:cNvPr>
+          <p:cNvCxnSpPr>
+            <a:cxnSpLocks/>
+          </p:cNvCxnSpPr>
+          <p:nvPr/>
+        </p:nvCxnSpPr>
+        <p:spPr>
+          <a:xfrm flipV="1">
+            <a:off x="6619875" y="669730"/>
+            <a:ext cx="0" cy="911443"/>
+          </a:xfrm>
+          <a:prstGeom prst="straightConnector1">
+            <a:avLst/>
+          </a:prstGeom>
+          <a:ln w="190500">
+            <a:solidFill>
+              <a:schemeClr val="bg1"/>
+            </a:solidFill>
+            <a:tailEnd type="triangle"/>
+          </a:ln>
+        </p:spPr>
+        <p:style>
+          <a:lnRef idx="1">
+            <a:schemeClr val="accent1"/>
+          </a:lnRef>
+          <a:fillRef idx="0">
+            <a:schemeClr val="accent1"/>
+          </a:fillRef>
+          <a:effectRef idx="0">
+            <a:schemeClr val="accent1"/>
+          </a:effectRef>
+          <a:fontRef idx="minor">
+            <a:schemeClr val="tx1"/>
+          </a:fontRef>
+        </p:style>
+      </p:cxnSp>
+      <p:sp>
+        <p:nvSpPr>
+          <p:cNvPr id="32" name="Moon 31">
+            <a:extLst>
+              <a:ext uri="{FF2B5EF4-FFF2-40B4-BE49-F238E27FC236}">
+                <a16:creationId xmlns:a16="http://schemas.microsoft.com/office/drawing/2014/main" id="{AF4E1F60-1E4C-4FC2-8DDE-98EF9367FB85}"/>
+              </a:ext>
+            </a:extLst>
+          </p:cNvPr>
+          <p:cNvSpPr/>
+          <p:nvPr/>
+        </p:nvSpPr>
+        <p:spPr>
+          <a:xfrm rot="5400000">
+            <a:off x="7143747" y="669733"/>
+            <a:ext cx="911445" cy="911438"/>
+          </a:xfrm>
+          <a:prstGeom prst="moon">
+            <a:avLst>
+              <a:gd name="adj" fmla="val 41773"/>
+            </a:avLst>
+          </a:prstGeom>
+          <a:solidFill>
+            <a:schemeClr val="bg1"/>
+          </a:solidFill>
+          <a:ln>
+            <a:solidFill>
+              <a:schemeClr val="bg1"/>
+            </a:solidFill>
+          </a:ln>
+        </p:spPr>
+        <p:style>
+          <a:lnRef idx="2">
+            <a:schemeClr val="accent1">
+              <a:shade val="50000"/>
+            </a:schemeClr>
+          </a:lnRef>
+          <a:fillRef idx="1">
+            <a:schemeClr val="accent1"/>
+          </a:fillRef>
+          <a:effectRef idx="0">
+            <a:schemeClr val="accent1"/>
+          </a:effectRef>
+          <a:fontRef idx="minor">
+            <a:schemeClr val="lt1"/>
+          </a:fontRef>
+        </p:style>
+        <p:txBody>
+          <a:bodyPr rtlCol="0" anchor="ctr"/>
+          <a:lstStyle/>
+          <a:p>
+            <a:pPr algn="ctr"/>
+            <a:endParaRPr lang="en-US"/>
+          </a:p>
+        </p:txBody>
+      </p:sp>
+      <p:pic>
+        <p:nvPicPr>
+          <p:cNvPr id="33" name="Picture 32">
+            <a:extLst>
+              <a:ext uri="{FF2B5EF4-FFF2-40B4-BE49-F238E27FC236}">
+                <a16:creationId xmlns:a16="http://schemas.microsoft.com/office/drawing/2014/main" id="{A96555A2-EE2A-4487-A418-1BF3C80C5979}"/>
+              </a:ext>
+            </a:extLst>
+          </p:cNvPr>
+          <p:cNvPicPr>
+            <a:picLocks noChangeAspect="1"/>
+          </p:cNvPicPr>
+          <p:nvPr/>
+        </p:nvPicPr>
+        <p:blipFill>
+          <a:blip r:embed="rId2">
+            <a:extLst>
+              <a:ext uri="{28A0092B-C50C-407E-A947-70E740481C1C}">
+                <a14:useLocalDpi xmlns:a14="http://schemas.microsoft.com/office/drawing/2010/main" val="0"/>
+              </a:ext>
+            </a:extLst>
+          </a:blip>
+          <a:stretch>
+            <a:fillRect/>
+          </a:stretch>
+        </p:blipFill>
+        <p:spPr>
+          <a:xfrm rot="5400000">
+            <a:off x="289611" y="2098953"/>
+            <a:ext cx="911443" cy="911443"/>
+          </a:xfrm>
+          <a:prstGeom prst="rect">
+            <a:avLst/>
+          </a:prstGeom>
+        </p:spPr>
+      </p:pic>
+      <p:pic>
+        <p:nvPicPr>
+          <p:cNvPr id="34" name="Picture 33">
+            <a:extLst>
+              <a:ext uri="{FF2B5EF4-FFF2-40B4-BE49-F238E27FC236}">
+                <a16:creationId xmlns:a16="http://schemas.microsoft.com/office/drawing/2014/main" id="{91F0ACC5-408D-4EE0-BC5B-BFF6FA26C991}"/>
+              </a:ext>
+            </a:extLst>
+          </p:cNvPr>
+          <p:cNvPicPr>
+            <a:picLocks noChangeAspect="1"/>
+          </p:cNvPicPr>
+          <p:nvPr/>
+        </p:nvPicPr>
+        <p:blipFill>
+          <a:blip r:embed="rId2">
+            <a:extLst>
+              <a:ext uri="{28A0092B-C50C-407E-A947-70E740481C1C}">
+                <a14:useLocalDpi xmlns:a14="http://schemas.microsoft.com/office/drawing/2010/main" val="0"/>
+              </a:ext>
+            </a:extLst>
+          </a:blip>
+          <a:stretch>
+            <a:fillRect/>
+          </a:stretch>
+        </p:blipFill>
+        <p:spPr>
+          <a:xfrm>
+            <a:off x="1368905" y="2098952"/>
+            <a:ext cx="911443" cy="911443"/>
+          </a:xfrm>
+          <a:prstGeom prst="rect">
+            <a:avLst/>
+          </a:prstGeom>
+        </p:spPr>
+      </p:pic>
+      <p:pic>
+        <p:nvPicPr>
+          <p:cNvPr id="35" name="Picture 34">
+            <a:extLst>
+              <a:ext uri="{FF2B5EF4-FFF2-40B4-BE49-F238E27FC236}">
+                <a16:creationId xmlns:a16="http://schemas.microsoft.com/office/drawing/2014/main" id="{3A24B5EE-2766-4BE7-A758-011E835408B5}"/>
+              </a:ext>
+            </a:extLst>
+          </p:cNvPr>
+          <p:cNvPicPr>
+            <a:picLocks noChangeAspect="1"/>
+          </p:cNvPicPr>
+          <p:nvPr/>
+        </p:nvPicPr>
+        <p:blipFill>
+          <a:blip r:embed="rId2">
+            <a:extLst>
+              <a:ext uri="{28A0092B-C50C-407E-A947-70E740481C1C}">
+                <a14:useLocalDpi xmlns:a14="http://schemas.microsoft.com/office/drawing/2010/main" val="0"/>
+              </a:ext>
+            </a:extLst>
+          </a:blip>
+          <a:stretch>
+            <a:fillRect/>
+          </a:stretch>
+        </p:blipFill>
+        <p:spPr>
+          <a:xfrm rot="10800000">
+            <a:off x="2446726" y="2098952"/>
+            <a:ext cx="911443" cy="911443"/>
+          </a:xfrm>
+          <a:prstGeom prst="rect">
+            <a:avLst/>
+          </a:prstGeom>
+        </p:spPr>
+      </p:pic>
+      <p:pic>
+        <p:nvPicPr>
+          <p:cNvPr id="36" name="Picture 35">
+            <a:extLst>
+              <a:ext uri="{FF2B5EF4-FFF2-40B4-BE49-F238E27FC236}">
+                <a16:creationId xmlns:a16="http://schemas.microsoft.com/office/drawing/2014/main" id="{4EFB9E03-C0F3-4866-85A8-D19A424077BC}"/>
+              </a:ext>
+            </a:extLst>
+          </p:cNvPr>
+          <p:cNvPicPr>
+            <a:picLocks noChangeAspect="1"/>
+          </p:cNvPicPr>
+          <p:nvPr/>
+        </p:nvPicPr>
+        <p:blipFill>
+          <a:blip r:embed="rId2">
+            <a:extLst>
+              <a:ext uri="{28A0092B-C50C-407E-A947-70E740481C1C}">
+                <a14:useLocalDpi xmlns:a14="http://schemas.microsoft.com/office/drawing/2010/main" val="0"/>
+              </a:ext>
+            </a:extLst>
+          </a:blip>
+          <a:stretch>
+            <a:fillRect/>
+          </a:stretch>
+        </p:blipFill>
+        <p:spPr>
+          <a:xfrm rot="16200000">
+            <a:off x="3524546" y="2098951"/>
+            <a:ext cx="911443" cy="911443"/>
+          </a:xfrm>
+          <a:prstGeom prst="rect">
+            <a:avLst/>
+          </a:prstGeom>
+        </p:spPr>
+      </p:pic>
+      <p:pic>
+        <p:nvPicPr>
+          <p:cNvPr id="37" name="Picture 36">
+            <a:extLst>
+              <a:ext uri="{FF2B5EF4-FFF2-40B4-BE49-F238E27FC236}">
+                <a16:creationId xmlns:a16="http://schemas.microsoft.com/office/drawing/2014/main" id="{0CA76358-B6CA-4F62-BAA1-ABC69D521094}"/>
+              </a:ext>
+            </a:extLst>
+          </p:cNvPr>
+          <p:cNvPicPr>
+            <a:picLocks noChangeAspect="1"/>
+          </p:cNvPicPr>
+          <p:nvPr/>
+        </p:nvPicPr>
+        <p:blipFill>
+          <a:blip r:embed="rId2">
+            <a:extLst>
+              <a:ext uri="{28A0092B-C50C-407E-A947-70E740481C1C}">
+                <a14:useLocalDpi xmlns:a14="http://schemas.microsoft.com/office/drawing/2010/main" val="0"/>
+              </a:ext>
+            </a:extLst>
+          </a:blip>
+          <a:stretch>
+            <a:fillRect/>
+          </a:stretch>
+        </p:blipFill>
+        <p:spPr>
+          <a:xfrm rot="5400000">
+            <a:off x="289611" y="3194328"/>
+            <a:ext cx="911443" cy="911443"/>
+          </a:xfrm>
+          <a:prstGeom prst="rect">
+            <a:avLst/>
+          </a:prstGeom>
+          <a:effectLst>
+            <a:innerShdw blurRad="63500" dist="50800" dir="2700000">
+              <a:prstClr val="black">
+                <a:alpha val="50000"/>
+              </a:prstClr>
+            </a:innerShdw>
+          </a:effectLst>
+        </p:spPr>
+      </p:pic>
+      <p:pic>
+        <p:nvPicPr>
+          <p:cNvPr id="38" name="Picture 37">
+            <a:extLst>
+              <a:ext uri="{FF2B5EF4-FFF2-40B4-BE49-F238E27FC236}">
+                <a16:creationId xmlns:a16="http://schemas.microsoft.com/office/drawing/2014/main" id="{18EE66B0-D5C8-4CA1-B775-A334D75D5485}"/>
+              </a:ext>
+            </a:extLst>
+          </p:cNvPr>
+          <p:cNvPicPr>
+            <a:picLocks noChangeAspect="1"/>
+          </p:cNvPicPr>
+          <p:nvPr/>
+        </p:nvPicPr>
+        <p:blipFill>
+          <a:blip r:embed="rId2">
+            <a:extLst>
+              <a:ext uri="{28A0092B-C50C-407E-A947-70E740481C1C}">
+                <a14:useLocalDpi xmlns:a14="http://schemas.microsoft.com/office/drawing/2010/main" val="0"/>
+              </a:ext>
+            </a:extLst>
+          </a:blip>
+          <a:stretch>
+            <a:fillRect/>
+          </a:stretch>
+        </p:blipFill>
+        <p:spPr>
+          <a:xfrm>
+            <a:off x="1368905" y="3194327"/>
+            <a:ext cx="911443" cy="911443"/>
+          </a:xfrm>
+          <a:prstGeom prst="rect">
+            <a:avLst/>
+          </a:prstGeom>
+          <a:effectLst>
+            <a:innerShdw blurRad="63500" dist="50800" dir="8100000">
+              <a:prstClr val="black">
+                <a:alpha val="50000"/>
+              </a:prstClr>
+            </a:innerShdw>
+          </a:effectLst>
+        </p:spPr>
+      </p:pic>
+      <p:pic>
+        <p:nvPicPr>
+          <p:cNvPr id="39" name="Picture 38">
+            <a:extLst>
+              <a:ext uri="{FF2B5EF4-FFF2-40B4-BE49-F238E27FC236}">
+                <a16:creationId xmlns:a16="http://schemas.microsoft.com/office/drawing/2014/main" id="{47A4D2C7-7C9C-47FA-A508-DF918E3FE28F}"/>
+              </a:ext>
+            </a:extLst>
+          </p:cNvPr>
+          <p:cNvPicPr>
+            <a:picLocks noChangeAspect="1"/>
+          </p:cNvPicPr>
+          <p:nvPr/>
+        </p:nvPicPr>
+        <p:blipFill>
+          <a:blip r:embed="rId2">
+            <a:extLst>
+              <a:ext uri="{28A0092B-C50C-407E-A947-70E740481C1C}">
+                <a14:useLocalDpi xmlns:a14="http://schemas.microsoft.com/office/drawing/2010/main" val="0"/>
+              </a:ext>
+            </a:extLst>
+          </a:blip>
+          <a:stretch>
+            <a:fillRect/>
+          </a:stretch>
+        </p:blipFill>
+        <p:spPr>
+          <a:xfrm rot="10800000">
+            <a:off x="2446726" y="3194327"/>
+            <a:ext cx="911443" cy="911443"/>
+          </a:xfrm>
+          <a:prstGeom prst="rect">
+            <a:avLst/>
+          </a:prstGeom>
+          <a:effectLst>
+            <a:innerShdw blurRad="63500" dist="50800" dir="18900000">
+              <a:prstClr val="black">
+                <a:alpha val="50000"/>
+              </a:prstClr>
+            </a:innerShdw>
+          </a:effectLst>
+        </p:spPr>
+      </p:pic>
+      <p:pic>
+        <p:nvPicPr>
+          <p:cNvPr id="40" name="Picture 39">
+            <a:extLst>
+              <a:ext uri="{FF2B5EF4-FFF2-40B4-BE49-F238E27FC236}">
+                <a16:creationId xmlns:a16="http://schemas.microsoft.com/office/drawing/2014/main" id="{6839471A-D5F7-472A-8992-BF1D8F79B17C}"/>
+              </a:ext>
+            </a:extLst>
+          </p:cNvPr>
+          <p:cNvPicPr>
+            <a:picLocks noChangeAspect="1"/>
+          </p:cNvPicPr>
+          <p:nvPr/>
+        </p:nvPicPr>
+        <p:blipFill>
+          <a:blip r:embed="rId2">
+            <a:extLst>
+              <a:ext uri="{28A0092B-C50C-407E-A947-70E740481C1C}">
+                <a14:useLocalDpi xmlns:a14="http://schemas.microsoft.com/office/drawing/2010/main" val="0"/>
+              </a:ext>
+            </a:extLst>
+          </a:blip>
+          <a:stretch>
+            <a:fillRect/>
+          </a:stretch>
+        </p:blipFill>
+        <p:spPr>
+          <a:xfrm rot="16200000">
+            <a:off x="3524546" y="3194326"/>
+            <a:ext cx="911443" cy="911443"/>
+          </a:xfrm>
+          <a:prstGeom prst="rect">
+            <a:avLst/>
+          </a:prstGeom>
+          <a:effectLst>
+            <a:innerShdw blurRad="63500" dist="50800" dir="13500000">
+              <a:prstClr val="black">
+                <a:alpha val="50000"/>
+              </a:prstClr>
+            </a:innerShdw>
+          </a:effectLst>
+        </p:spPr>
+      </p:pic>
+    </p:spTree>
+    <p:extLst>
+      <p:ext uri="{BB962C8B-B14F-4D97-AF65-F5344CB8AC3E}">
+        <p14:creationId xmlns:p14="http://schemas.microsoft.com/office/powerpoint/2010/main" val="4229217177"/>
+      </p:ext>
+    </p:extLst>
   </p:cSld>
   <p:clrMapOvr>
     <a:masterClrMapping/>
@@ -5313,6 +6042,8 @@
       </a:bgFillStyleLst>
     </a:fmtScheme>
   </a:themeElements>
+  <a:objectDefaults/>
+  <a:extraClrSchemeLst/>
   <a:extLst>
     <a:ext uri="{05A4C25C-085E-4340-85A3-A5531E510DB2}">
       <thm15:themeFamily xmlns:thm15="http://schemas.microsoft.com/office/thememl/2012/main" name="Office Theme" id="{62F939B6-93AF-4DB8-9C6B-D6C7DFDC589F}" vid="{4A3C46E8-61CC-4603-A589-7422A47A8E4A}"/>
@@ -5572,6 +6303,8 @@
       </a:bgFillStyleLst>
     </a:fmtScheme>
   </a:themeElements>
+  <a:objectDefaults/>
+  <a:extraClrSchemeLst/>
   <a:extLst>
     <a:ext uri="{05A4C25C-085E-4340-85A3-A5531E510DB2}">
       <thm15:themeFamily xmlns:thm15="http://schemas.microsoft.com/office/thememl/2012/main" name="Office Theme" id="{62F939B6-93AF-4DB8-9C6B-D6C7DFDC589F}" vid="{4A3C46E8-61CC-4603-A589-7422A47A8E4A}"/>
@@ -5831,6 +6564,8 @@
       </a:bgFillStyleLst>
     </a:fmtScheme>
   </a:themeElements>
+  <a:objectDefaults/>
+  <a:extraClrSchemeLst/>
   <a:extLst>
     <a:ext uri="{05A4C25C-085E-4340-85A3-A5531E510DB2}">
       <thm15:themeFamily xmlns:thm15="http://schemas.microsoft.com/office/thememl/2012/main" name="Office Theme" id="{62F939B6-93AF-4DB8-9C6B-D6C7DFDC589F}" vid="{4A3C46E8-61CC-4603-A589-7422A47A8E4A}"/>

--- a/Assets/Designs/DesignPlan.pptx
+++ b/Assets/Designs/DesignPlan.pptx
@@ -212,7 +212,7 @@
           <a:p>
             <a:fld id="{0F9B84EA-7D68-4D60-9CB1-D50884785D1C}" type="datetimeFigureOut">
               <a:rPr lang="zh-CN" altLang="en-US" smtClean="0"/>
-              <a:t>2024/9/23</a:t>
+              <a:t>2024/9/25</a:t>
             </a:fld>
             <a:endParaRPr lang="zh-CN" altLang="en-US"/>
           </a:p>
@@ -377,7 +377,7 @@
           <a:p>
             <a:fld id="{D6C8D182-E4C8-4120-9249-FC9774456FFA}" type="datetimeFigureOut">
               <a:rPr lang="zh-CN" altLang="en-US" smtClean="0"/>
-              <a:t>2024/9/23</a:t>
+              <a:t>2024/9/25</a:t>
             </a:fld>
             <a:endParaRPr lang="zh-CN" altLang="en-US"/>
           </a:p>
@@ -719,7 +719,7 @@
           <a:p>
             <a:fld id="{760FBDFE-C587-4B4C-A407-44438C67B59E}" type="datetimeFigureOut">
               <a:rPr lang="zh-CN" altLang="en-US" smtClean="0"/>
-              <a:t>2024/9/23</a:t>
+              <a:t>2024/9/25</a:t>
             </a:fld>
             <a:endParaRPr lang="zh-CN" altLang="en-US"/>
           </a:p>
@@ -885,7 +885,7 @@
           <a:p>
             <a:fld id="{760FBDFE-C587-4B4C-A407-44438C67B59E}" type="datetimeFigureOut">
               <a:rPr lang="zh-CN" altLang="en-US" smtClean="0"/>
-              <a:t>2024/9/23</a:t>
+              <a:t>2024/9/25</a:t>
             </a:fld>
             <a:endParaRPr lang="zh-CN" altLang="en-US"/>
           </a:p>
@@ -1185,7 +1185,7 @@
           <a:p>
             <a:fld id="{760FBDFE-C587-4B4C-A407-44438C67B59E}" type="datetimeFigureOut">
               <a:rPr lang="zh-CN" altLang="en-US" smtClean="0"/>
-              <a:t>2024/9/23</a:t>
+              <a:t>2024/9/25</a:t>
             </a:fld>
             <a:endParaRPr lang="zh-CN" altLang="en-US"/>
           </a:p>
@@ -1437,7 +1437,7 @@
           <a:p>
             <a:fld id="{760FBDFE-C587-4B4C-A407-44438C67B59E}" type="datetimeFigureOut">
               <a:rPr lang="zh-CN" altLang="en-US" smtClean="0"/>
-              <a:t>2024/9/23</a:t>
+              <a:t>2024/9/25</a:t>
             </a:fld>
             <a:endParaRPr lang="zh-CN" altLang="en-US"/>
           </a:p>
@@ -1820,7 +1820,7 @@
           <a:p>
             <a:fld id="{760FBDFE-C587-4B4C-A407-44438C67B59E}" type="datetimeFigureOut">
               <a:rPr lang="zh-CN" altLang="en-US" smtClean="0"/>
-              <a:t>2024/9/23</a:t>
+              <a:t>2024/9/25</a:t>
             </a:fld>
             <a:endParaRPr lang="zh-CN" altLang="en-US"/>
           </a:p>
@@ -2187,7 +2187,7 @@
           <a:p>
             <a:fld id="{760FBDFE-C587-4B4C-A407-44438C67B59E}" type="datetimeFigureOut">
               <a:rPr lang="zh-CN" altLang="en-US" smtClean="0"/>
-              <a:t>2024/9/23</a:t>
+              <a:t>2024/9/25</a:t>
             </a:fld>
             <a:endParaRPr lang="zh-CN" altLang="en-US"/>
           </a:p>
@@ -2318,7 +2318,7 @@
           <a:p>
             <a:fld id="{760FBDFE-C587-4B4C-A407-44438C67B59E}" type="datetimeFigureOut">
               <a:rPr lang="zh-CN" altLang="en-US" smtClean="0"/>
-              <a:t>2024/9/23</a:t>
+              <a:t>2024/9/25</a:t>
             </a:fld>
             <a:endParaRPr lang="zh-CN" altLang="en-US"/>
           </a:p>
@@ -2408,7 +2408,7 @@
           <a:p>
             <a:fld id="{760FBDFE-C587-4B4C-A407-44438C67B59E}" type="datetimeFigureOut">
               <a:rPr lang="zh-CN" altLang="en-US" smtClean="0"/>
-              <a:t>2024/9/23</a:t>
+              <a:t>2024/9/25</a:t>
             </a:fld>
             <a:endParaRPr lang="zh-CN" altLang="en-US"/>
           </a:p>
@@ -2672,7 +2672,7 @@
           <a:p>
             <a:fld id="{9EFD9D74-47D9-4702-A33C-335B63B48DBF}" type="datetimeFigureOut">
               <a:rPr lang="zh-CN" altLang="en-US" smtClean="0"/>
-              <a:t>2024/9/23</a:t>
+              <a:t>2024/9/25</a:t>
             </a:fld>
             <a:endParaRPr lang="zh-CN" altLang="en-US" dirty="0"/>
           </a:p>
@@ -2883,7 +2883,7 @@
           <a:p>
             <a:fld id="{760FBDFE-C587-4B4C-A407-44438C67B59E}" type="datetimeFigureOut">
               <a:rPr lang="zh-CN" altLang="en-US" smtClean="0"/>
-              <a:t>2024/9/23</a:t>
+              <a:t>2024/9/25</a:t>
             </a:fld>
             <a:endParaRPr lang="zh-CN" altLang="en-US"/>
           </a:p>
@@ -3096,7 +3096,7 @@
           <a:p>
             <a:fld id="{760FBDFE-C587-4B4C-A407-44438C67B59E}" type="datetimeFigureOut">
               <a:rPr lang="zh-CN" altLang="en-US" smtClean="0"/>
-              <a:t>2024/9/23</a:t>
+              <a:t>2024/9/25</a:t>
             </a:fld>
             <a:endParaRPr lang="zh-CN" altLang="en-US"/>
           </a:p>
@@ -5778,6 +5778,271 @@
           </a:effectLst>
         </p:spPr>
       </p:pic>
+      <p:grpSp>
+        <p:nvGrpSpPr>
+          <p:cNvPr id="5" name="Group 4">
+            <a:extLst>
+              <a:ext uri="{FF2B5EF4-FFF2-40B4-BE49-F238E27FC236}">
+                <a16:creationId xmlns:a16="http://schemas.microsoft.com/office/drawing/2014/main" id="{616B3AC6-F485-480D-BD5D-588FBE1289B5}"/>
+              </a:ext>
+            </a:extLst>
+          </p:cNvPr>
+          <p:cNvGrpSpPr/>
+          <p:nvPr/>
+        </p:nvGrpSpPr>
+        <p:grpSpPr>
+          <a:xfrm>
+            <a:off x="4690047" y="2129362"/>
+            <a:ext cx="908850" cy="911444"/>
+            <a:chOff x="6012941" y="2098950"/>
+            <a:chExt cx="908850" cy="911444"/>
+          </a:xfrm>
+        </p:grpSpPr>
+        <p:sp>
+          <p:nvSpPr>
+            <p:cNvPr id="28" name="Freeform: Shape 27">
+              <a:extLst>
+                <a:ext uri="{FF2B5EF4-FFF2-40B4-BE49-F238E27FC236}">
+                  <a16:creationId xmlns:a16="http://schemas.microsoft.com/office/drawing/2014/main" id="{5C05385B-6041-435B-9493-3CC0FF4A9E75}"/>
+                </a:ext>
+              </a:extLst>
+            </p:cNvPr>
+            <p:cNvSpPr/>
+            <p:nvPr/>
+          </p:nvSpPr>
+          <p:spPr>
+            <a:xfrm rot="10800000">
+              <a:off x="6012941" y="2098950"/>
+              <a:ext cx="908850" cy="455722"/>
+            </a:xfrm>
+            <a:custGeom>
+              <a:avLst/>
+              <a:gdLst>
+                <a:gd name="connsiteX0" fmla="*/ 0 w 908850"/>
+                <a:gd name="connsiteY0" fmla="*/ 0 h 455722"/>
+                <a:gd name="connsiteX1" fmla="*/ 908850 w 908850"/>
+                <a:gd name="connsiteY1" fmla="*/ 0 h 455722"/>
+                <a:gd name="connsiteX2" fmla="*/ 453128 w 908850"/>
+                <a:gd name="connsiteY2" fmla="*/ 455722 h 455722"/>
+                <a:gd name="connsiteX3" fmla="*/ 0 w 908850"/>
+                <a:gd name="connsiteY3" fmla="*/ 2594 h 455722"/>
+              </a:gdLst>
+              <a:ahLst/>
+              <a:cxnLst>
+                <a:cxn ang="0">
+                  <a:pos x="connsiteX0" y="connsiteY0"/>
+                </a:cxn>
+                <a:cxn ang="0">
+                  <a:pos x="connsiteX1" y="connsiteY1"/>
+                </a:cxn>
+                <a:cxn ang="0">
+                  <a:pos x="connsiteX2" y="connsiteY2"/>
+                </a:cxn>
+                <a:cxn ang="0">
+                  <a:pos x="connsiteX3" y="connsiteY3"/>
+                </a:cxn>
+              </a:cxnLst>
+              <a:rect l="l" t="t" r="r" b="b"/>
+              <a:pathLst>
+                <a:path w="908850" h="455722">
+                  <a:moveTo>
+                    <a:pt x="0" y="0"/>
+                  </a:moveTo>
+                  <a:lnTo>
+                    <a:pt x="908850" y="0"/>
+                  </a:lnTo>
+                  <a:lnTo>
+                    <a:pt x="453128" y="455722"/>
+                  </a:lnTo>
+                  <a:lnTo>
+                    <a:pt x="0" y="2594"/>
+                  </a:lnTo>
+                  <a:close/>
+                </a:path>
+              </a:pathLst>
+            </a:custGeom>
+            <a:solidFill>
+              <a:schemeClr val="bg1"/>
+            </a:solidFill>
+            <a:ln>
+              <a:noFill/>
+            </a:ln>
+          </p:spPr>
+          <p:style>
+            <a:lnRef idx="2">
+              <a:schemeClr val="accent1">
+                <a:shade val="50000"/>
+              </a:schemeClr>
+            </a:lnRef>
+            <a:fillRef idx="1">
+              <a:schemeClr val="accent1"/>
+            </a:fillRef>
+            <a:effectRef idx="0">
+              <a:schemeClr val="accent1"/>
+            </a:effectRef>
+            <a:fontRef idx="minor">
+              <a:schemeClr val="lt1"/>
+            </a:fontRef>
+          </p:style>
+          <p:txBody>
+            <a:bodyPr wrap="square" rtlCol="0" anchor="ctr">
+              <a:noAutofit/>
+            </a:bodyPr>
+            <a:lstStyle/>
+            <a:p>
+              <a:pPr algn="ctr"/>
+              <a:endParaRPr lang="en-US"/>
+            </a:p>
+          </p:txBody>
+        </p:sp>
+        <p:sp>
+          <p:nvSpPr>
+            <p:cNvPr id="30" name="Freeform: Shape 29">
+              <a:extLst>
+                <a:ext uri="{FF2B5EF4-FFF2-40B4-BE49-F238E27FC236}">
+                  <a16:creationId xmlns:a16="http://schemas.microsoft.com/office/drawing/2014/main" id="{EDA26F2A-8F02-480D-9EDD-5D1806D1A007}"/>
+                </a:ext>
+              </a:extLst>
+            </p:cNvPr>
+            <p:cNvSpPr/>
+            <p:nvPr/>
+          </p:nvSpPr>
+          <p:spPr>
+            <a:xfrm>
+              <a:off x="6012941" y="2554672"/>
+              <a:ext cx="908850" cy="455722"/>
+            </a:xfrm>
+            <a:custGeom>
+              <a:avLst/>
+              <a:gdLst>
+                <a:gd name="connsiteX0" fmla="*/ 0 w 908850"/>
+                <a:gd name="connsiteY0" fmla="*/ 0 h 455722"/>
+                <a:gd name="connsiteX1" fmla="*/ 908850 w 908850"/>
+                <a:gd name="connsiteY1" fmla="*/ 0 h 455722"/>
+                <a:gd name="connsiteX2" fmla="*/ 453128 w 908850"/>
+                <a:gd name="connsiteY2" fmla="*/ 455722 h 455722"/>
+                <a:gd name="connsiteX3" fmla="*/ 0 w 908850"/>
+                <a:gd name="connsiteY3" fmla="*/ 2594 h 455722"/>
+              </a:gdLst>
+              <a:ahLst/>
+              <a:cxnLst>
+                <a:cxn ang="0">
+                  <a:pos x="connsiteX0" y="connsiteY0"/>
+                </a:cxn>
+                <a:cxn ang="0">
+                  <a:pos x="connsiteX1" y="connsiteY1"/>
+                </a:cxn>
+                <a:cxn ang="0">
+                  <a:pos x="connsiteX2" y="connsiteY2"/>
+                </a:cxn>
+                <a:cxn ang="0">
+                  <a:pos x="connsiteX3" y="connsiteY3"/>
+                </a:cxn>
+              </a:cxnLst>
+              <a:rect l="l" t="t" r="r" b="b"/>
+              <a:pathLst>
+                <a:path w="908850" h="455722">
+                  <a:moveTo>
+                    <a:pt x="0" y="0"/>
+                  </a:moveTo>
+                  <a:lnTo>
+                    <a:pt x="908850" y="0"/>
+                  </a:lnTo>
+                  <a:lnTo>
+                    <a:pt x="453128" y="455722"/>
+                  </a:lnTo>
+                  <a:lnTo>
+                    <a:pt x="0" y="2594"/>
+                  </a:lnTo>
+                  <a:close/>
+                </a:path>
+              </a:pathLst>
+            </a:custGeom>
+            <a:noFill/>
+            <a:ln>
+              <a:noFill/>
+            </a:ln>
+          </p:spPr>
+          <p:style>
+            <a:lnRef idx="2">
+              <a:schemeClr val="accent1">
+                <a:shade val="50000"/>
+              </a:schemeClr>
+            </a:lnRef>
+            <a:fillRef idx="1">
+              <a:schemeClr val="accent1"/>
+            </a:fillRef>
+            <a:effectRef idx="0">
+              <a:schemeClr val="accent1"/>
+            </a:effectRef>
+            <a:fontRef idx="minor">
+              <a:schemeClr val="lt1"/>
+            </a:fontRef>
+          </p:style>
+          <p:txBody>
+            <a:bodyPr wrap="square" rtlCol="0" anchor="ctr">
+              <a:noAutofit/>
+            </a:bodyPr>
+            <a:lstStyle/>
+            <a:p>
+              <a:pPr algn="ctr"/>
+              <a:endParaRPr lang="en-US"/>
+            </a:p>
+          </p:txBody>
+        </p:sp>
+      </p:grpSp>
+      <p:sp>
+        <p:nvSpPr>
+          <p:cNvPr id="6" name="Rectangle 5">
+            <a:extLst>
+              <a:ext uri="{FF2B5EF4-FFF2-40B4-BE49-F238E27FC236}">
+                <a16:creationId xmlns:a16="http://schemas.microsoft.com/office/drawing/2014/main" id="{800AC3EB-03EC-417F-A7AD-1C670A45C4C5}"/>
+              </a:ext>
+            </a:extLst>
+          </p:cNvPr>
+          <p:cNvSpPr/>
+          <p:nvPr/>
+        </p:nvSpPr>
+        <p:spPr>
+          <a:xfrm>
+            <a:off x="5850630" y="2098950"/>
+            <a:ext cx="908851" cy="908851"/>
+          </a:xfrm>
+          <a:prstGeom prst="rect">
+            <a:avLst/>
+          </a:prstGeom>
+          <a:solidFill>
+            <a:schemeClr val="bg1"/>
+          </a:solidFill>
+          <a:ln>
+            <a:noFill/>
+          </a:ln>
+        </p:spPr>
+        <p:style>
+          <a:lnRef idx="2">
+            <a:schemeClr val="accent1">
+              <a:shade val="50000"/>
+            </a:schemeClr>
+          </a:lnRef>
+          <a:fillRef idx="1">
+            <a:schemeClr val="accent1"/>
+          </a:fillRef>
+          <a:effectRef idx="0">
+            <a:schemeClr val="accent1"/>
+          </a:effectRef>
+          <a:fontRef idx="minor">
+            <a:schemeClr val="lt1"/>
+          </a:fontRef>
+        </p:style>
+        <p:txBody>
+          <a:bodyPr rtlCol="0" anchor="ctr"/>
+          <a:lstStyle/>
+          <a:p>
+            <a:pPr algn="ctr"/>
+            <a:endParaRPr lang="en-US"/>
+          </a:p>
+        </p:txBody>
+      </p:sp>
     </p:spTree>
     <p:extLst>
       <p:ext uri="{BB962C8B-B14F-4D97-AF65-F5344CB8AC3E}">
